--- a/paper/figures/framework_baseline_autoconfigure.pptx
+++ b/paper/figures/framework_baseline_autoconfigure.pptx
@@ -203,7 +203,7 @@
           <a:p>
             <a:fld id="{0481F5A3-2DF1-4F9B-A39D-FB702742659C}" type="datetimeFigureOut">
               <a:rPr lang="zh-CN" altLang="en-US" smtClean="0"/>
-              <a:t>2020/11/28</a:t>
+              <a:t>2020/12/1</a:t>
             </a:fld>
             <a:endParaRPr lang="zh-CN" altLang="en-US"/>
           </a:p>
@@ -2841,7 +2841,7 @@
           <a:p>
             <a:fld id="{96F32D4F-25ED-44F0-B101-7FA729277A19}" type="datetimeFigureOut">
               <a:rPr lang="zh-CN" altLang="en-US" smtClean="0"/>
-              <a:t>2020/11/28</a:t>
+              <a:t>2020/12/1</a:t>
             </a:fld>
             <a:endParaRPr lang="zh-CN" altLang="en-US"/>
           </a:p>
@@ -3011,7 +3011,7 @@
           <a:p>
             <a:fld id="{96F32D4F-25ED-44F0-B101-7FA729277A19}" type="datetimeFigureOut">
               <a:rPr lang="zh-CN" altLang="en-US" smtClean="0"/>
-              <a:t>2020/11/28</a:t>
+              <a:t>2020/12/1</a:t>
             </a:fld>
             <a:endParaRPr lang="zh-CN" altLang="en-US"/>
           </a:p>
@@ -3191,7 +3191,7 @@
           <a:p>
             <a:fld id="{96F32D4F-25ED-44F0-B101-7FA729277A19}" type="datetimeFigureOut">
               <a:rPr lang="zh-CN" altLang="en-US" smtClean="0"/>
-              <a:t>2020/11/28</a:t>
+              <a:t>2020/12/1</a:t>
             </a:fld>
             <a:endParaRPr lang="zh-CN" altLang="en-US"/>
           </a:p>
@@ -3466,7 +3466,7 @@
           <a:p>
             <a:fld id="{96F32D4F-25ED-44F0-B101-7FA729277A19}" type="datetimeFigureOut">
               <a:rPr lang="zh-CN" altLang="en-US" smtClean="0"/>
-              <a:t>2020/11/28</a:t>
+              <a:t>2020/12/1</a:t>
             </a:fld>
             <a:endParaRPr lang="zh-CN" altLang="en-US"/>
           </a:p>
@@ -3712,7 +3712,7 @@
           <a:p>
             <a:fld id="{96F32D4F-25ED-44F0-B101-7FA729277A19}" type="datetimeFigureOut">
               <a:rPr lang="zh-CN" altLang="en-US" smtClean="0"/>
-              <a:t>2020/11/28</a:t>
+              <a:t>2020/12/1</a:t>
             </a:fld>
             <a:endParaRPr lang="zh-CN" altLang="en-US"/>
           </a:p>
@@ -3944,7 +3944,7 @@
           <a:p>
             <a:fld id="{96F32D4F-25ED-44F0-B101-7FA729277A19}" type="datetimeFigureOut">
               <a:rPr lang="zh-CN" altLang="en-US" smtClean="0"/>
-              <a:t>2020/11/28</a:t>
+              <a:t>2020/12/1</a:t>
             </a:fld>
             <a:endParaRPr lang="zh-CN" altLang="en-US"/>
           </a:p>
@@ -4311,7 +4311,7 @@
           <a:p>
             <a:fld id="{96F32D4F-25ED-44F0-B101-7FA729277A19}" type="datetimeFigureOut">
               <a:rPr lang="zh-CN" altLang="en-US" smtClean="0"/>
-              <a:t>2020/11/28</a:t>
+              <a:t>2020/12/1</a:t>
             </a:fld>
             <a:endParaRPr lang="zh-CN" altLang="en-US"/>
           </a:p>
@@ -4429,7 +4429,7 @@
           <a:p>
             <a:fld id="{96F32D4F-25ED-44F0-B101-7FA729277A19}" type="datetimeFigureOut">
               <a:rPr lang="zh-CN" altLang="en-US" smtClean="0"/>
-              <a:t>2020/11/28</a:t>
+              <a:t>2020/12/1</a:t>
             </a:fld>
             <a:endParaRPr lang="zh-CN" altLang="en-US"/>
           </a:p>
@@ -4524,7 +4524,7 @@
           <a:p>
             <a:fld id="{96F32D4F-25ED-44F0-B101-7FA729277A19}" type="datetimeFigureOut">
               <a:rPr lang="zh-CN" altLang="en-US" smtClean="0"/>
-              <a:t>2020/11/28</a:t>
+              <a:t>2020/12/1</a:t>
             </a:fld>
             <a:endParaRPr lang="zh-CN" altLang="en-US"/>
           </a:p>
@@ -4801,7 +4801,7 @@
           <a:p>
             <a:fld id="{96F32D4F-25ED-44F0-B101-7FA729277A19}" type="datetimeFigureOut">
               <a:rPr lang="zh-CN" altLang="en-US" smtClean="0"/>
-              <a:t>2020/11/28</a:t>
+              <a:t>2020/12/1</a:t>
             </a:fld>
             <a:endParaRPr lang="zh-CN" altLang="en-US"/>
           </a:p>
@@ -5058,7 +5058,7 @@
           <a:p>
             <a:fld id="{96F32D4F-25ED-44F0-B101-7FA729277A19}" type="datetimeFigureOut">
               <a:rPr lang="zh-CN" altLang="en-US" smtClean="0"/>
-              <a:t>2020/11/28</a:t>
+              <a:t>2020/12/1</a:t>
             </a:fld>
             <a:endParaRPr lang="zh-CN" altLang="en-US"/>
           </a:p>
@@ -5271,7 +5271,7 @@
           <a:p>
             <a:fld id="{96F32D4F-25ED-44F0-B101-7FA729277A19}" type="datetimeFigureOut">
               <a:rPr lang="zh-CN" altLang="en-US" smtClean="0"/>
-              <a:t>2020/11/28</a:t>
+              <a:t>2020/12/1</a:t>
             </a:fld>
             <a:endParaRPr lang="zh-CN" altLang="en-US"/>
           </a:p>
@@ -10119,7 +10119,7 @@
         </p:nvCxnSpPr>
         <p:spPr>
           <a:xfrm rot="5400000">
-            <a:off x="8705562" y="3245697"/>
+            <a:off x="8512709" y="3240309"/>
             <a:ext cx="1467587" cy="570"/>
           </a:xfrm>
           <a:prstGeom prst="bentConnector3">
